--- a/ppt/0602_2조_나현희_신원철.pptx
+++ b/ppt/0602_2조_나현희_신원철.pptx
@@ -132,13 +132,41 @@
 </p:presentation>
 </file>
 
-<file path=ppt/revisionInfo.xml><?xml version="1.0" encoding="utf-8"?>
-<p1510:revInfo xmlns:a="http://schemas.openxmlformats.org/drawingml/2006/main" xmlns:r="http://schemas.openxmlformats.org/officeDocument/2006/relationships" xmlns:p1510="http://schemas.microsoft.com/office/powerpoint/2015/10/main">
-  <p1510:revLst>
-    <p1510:client id="{F5F8233E-B5FB-49F5-8CFB-7E7E7E197086}" v="4" dt="2023-06-01T11:51:34.497"/>
-    <p1510:client id="{FD1E9261-B45F-4F74-AB90-E6667F61A398}" v="14" dt="2023-06-02T03:57:39.101"/>
-  </p1510:revLst>
-</p1510:revInfo>
+<file path=ppt/changesInfos/changesInfo1.xml><?xml version="1.0" encoding="utf-8"?>
+<pc:chgInfo xmlns:a="http://schemas.openxmlformats.org/drawingml/2006/main" xmlns:r="http://schemas.openxmlformats.org/officeDocument/2006/relationships" xmlns:ac="http://schemas.microsoft.com/office/drawing/2013/main/command" xmlns:pc="http://schemas.microsoft.com/office/powerpoint/2013/main/command">
+  <pc:docChgLst>
+    <pc:chgData name="hyeonhee na" userId="2242f2e4400e4392" providerId="LiveId" clId="{DFFBB0AF-F853-4D12-900D-000077D830C7}"/>
+    <pc:docChg chg="modSld">
+      <pc:chgData name="hyeonhee na" userId="2242f2e4400e4392" providerId="LiveId" clId="{DFFBB0AF-F853-4D12-900D-000077D830C7}" dt="2023-06-09T10:12:54.883" v="2" actId="1076"/>
+      <pc:docMkLst>
+        <pc:docMk/>
+      </pc:docMkLst>
+      <pc:sldChg chg="modSp mod">
+        <pc:chgData name="hyeonhee na" userId="2242f2e4400e4392" providerId="LiveId" clId="{DFFBB0AF-F853-4D12-900D-000077D830C7}" dt="2023-06-09T10:12:54.883" v="2" actId="1076"/>
+        <pc:sldMkLst>
+          <pc:docMk/>
+          <pc:sldMk cId="4031489295" sldId="331"/>
+        </pc:sldMkLst>
+        <pc:spChg chg="mod">
+          <ac:chgData name="hyeonhee na" userId="2242f2e4400e4392" providerId="LiveId" clId="{DFFBB0AF-F853-4D12-900D-000077D830C7}" dt="2023-06-09T10:12:54.883" v="2" actId="1076"/>
+          <ac:spMkLst>
+            <pc:docMk/>
+            <pc:sldMk cId="4031489295" sldId="331"/>
+            <ac:spMk id="2" creationId="{3975EB03-40A2-ACD2-0C20-0BEE3FA28149}"/>
+          </ac:spMkLst>
+        </pc:spChg>
+        <pc:picChg chg="mod">
+          <ac:chgData name="hyeonhee na" userId="2242f2e4400e4392" providerId="LiveId" clId="{DFFBB0AF-F853-4D12-900D-000077D830C7}" dt="2023-06-09T10:09:57.267" v="1" actId="1076"/>
+          <ac:picMkLst>
+            <pc:docMk/>
+            <pc:sldMk cId="4031489295" sldId="331"/>
+            <ac:picMk id="19" creationId="{F126B3A0-A95D-59BC-559C-41D784BB81BE}"/>
+          </ac:picMkLst>
+        </pc:picChg>
+      </pc:sldChg>
+    </pc:docChg>
+  </pc:docChgLst>
+</pc:chgInfo>
 </file>
 
 <file path=ppt/notesMasters/notesMaster1.xml><?xml version="1.0" encoding="utf-8"?>
@@ -224,7 +252,7 @@
             <a:fld id="{01015650-063C-455C-8B59-3D8A2C6803D6}" type="datetimeFigureOut">
               <a:rPr lang="ko-KR" altLang="en-US" smtClean="0"/>
               <a:pPr/>
-              <a:t>2023-06-02</a:t>
+              <a:t>2023-06-09</a:t>
             </a:fld>
             <a:endParaRPr lang="ko-KR" altLang="en-US"/>
           </a:p>
@@ -2165,7 +2193,7 @@
             <a:fld id="{7C350D00-E9DF-4C32-8EF9-982D014E2409}" type="datetimeFigureOut">
               <a:rPr lang="ko-KR" altLang="en-US" smtClean="0"/>
               <a:pPr/>
-              <a:t>2023-06-02</a:t>
+              <a:t>2023-06-09</a:t>
             </a:fld>
             <a:endParaRPr lang="ko-KR" altLang="en-US"/>
           </a:p>
@@ -2330,7 +2358,7 @@
             <a:fld id="{7C350D00-E9DF-4C32-8EF9-982D014E2409}" type="datetimeFigureOut">
               <a:rPr lang="ko-KR" altLang="en-US" smtClean="0"/>
               <a:pPr/>
-              <a:t>2023-06-02</a:t>
+              <a:t>2023-06-09</a:t>
             </a:fld>
             <a:endParaRPr lang="ko-KR" altLang="en-US"/>
           </a:p>
@@ -2505,7 +2533,7 @@
             <a:fld id="{7C350D00-E9DF-4C32-8EF9-982D014E2409}" type="datetimeFigureOut">
               <a:rPr lang="ko-KR" altLang="en-US" smtClean="0"/>
               <a:pPr/>
-              <a:t>2023-06-02</a:t>
+              <a:t>2023-06-09</a:t>
             </a:fld>
             <a:endParaRPr lang="ko-KR" altLang="en-US"/>
           </a:p>
@@ -2670,7 +2698,7 @@
             <a:fld id="{7C350D00-E9DF-4C32-8EF9-982D014E2409}" type="datetimeFigureOut">
               <a:rPr lang="ko-KR" altLang="en-US" smtClean="0"/>
               <a:pPr/>
-              <a:t>2023-06-02</a:t>
+              <a:t>2023-06-09</a:t>
             </a:fld>
             <a:endParaRPr lang="ko-KR" altLang="en-US"/>
           </a:p>
@@ -2912,7 +2940,7 @@
             <a:fld id="{7C350D00-E9DF-4C32-8EF9-982D014E2409}" type="datetimeFigureOut">
               <a:rPr lang="ko-KR" altLang="en-US" smtClean="0"/>
               <a:pPr/>
-              <a:t>2023-06-02</a:t>
+              <a:t>2023-06-09</a:t>
             </a:fld>
             <a:endParaRPr lang="ko-KR" altLang="en-US"/>
           </a:p>
@@ -3194,7 +3222,7 @@
             <a:fld id="{7C350D00-E9DF-4C32-8EF9-982D014E2409}" type="datetimeFigureOut">
               <a:rPr lang="ko-KR" altLang="en-US" smtClean="0"/>
               <a:pPr/>
-              <a:t>2023-06-02</a:t>
+              <a:t>2023-06-09</a:t>
             </a:fld>
             <a:endParaRPr lang="ko-KR" altLang="en-US"/>
           </a:p>
@@ -3615,7 +3643,7 @@
             <a:fld id="{7C350D00-E9DF-4C32-8EF9-982D014E2409}" type="datetimeFigureOut">
               <a:rPr lang="ko-KR" altLang="en-US" smtClean="0"/>
               <a:pPr/>
-              <a:t>2023-06-02</a:t>
+              <a:t>2023-06-09</a:t>
             </a:fld>
             <a:endParaRPr lang="ko-KR" altLang="en-US"/>
           </a:p>
@@ -3729,7 +3757,7 @@
             <a:fld id="{7C350D00-E9DF-4C32-8EF9-982D014E2409}" type="datetimeFigureOut">
               <a:rPr lang="ko-KR" altLang="en-US" smtClean="0"/>
               <a:pPr/>
-              <a:t>2023-06-02</a:t>
+              <a:t>2023-06-09</a:t>
             </a:fld>
             <a:endParaRPr lang="ko-KR" altLang="en-US"/>
           </a:p>
@@ -3821,7 +3849,7 @@
             <a:fld id="{7C350D00-E9DF-4C32-8EF9-982D014E2409}" type="datetimeFigureOut">
               <a:rPr lang="ko-KR" altLang="en-US" smtClean="0"/>
               <a:pPr/>
-              <a:t>2023-06-02</a:t>
+              <a:t>2023-06-09</a:t>
             </a:fld>
             <a:endParaRPr lang="ko-KR" altLang="en-US"/>
           </a:p>
@@ -4093,7 +4121,7 @@
             <a:fld id="{7C350D00-E9DF-4C32-8EF9-982D014E2409}" type="datetimeFigureOut">
               <a:rPr lang="ko-KR" altLang="en-US" smtClean="0"/>
               <a:pPr/>
-              <a:t>2023-06-02</a:t>
+              <a:t>2023-06-09</a:t>
             </a:fld>
             <a:endParaRPr lang="ko-KR" altLang="en-US"/>
           </a:p>
@@ -4342,7 +4370,7 @@
             <a:fld id="{7C350D00-E9DF-4C32-8EF9-982D014E2409}" type="datetimeFigureOut">
               <a:rPr lang="ko-KR" altLang="en-US" smtClean="0"/>
               <a:pPr/>
-              <a:t>2023-06-02</a:t>
+              <a:t>2023-06-09</a:t>
             </a:fld>
             <a:endParaRPr lang="ko-KR" altLang="en-US"/>
           </a:p>
@@ -4550,7 +4578,7 @@
             <a:fld id="{7C350D00-E9DF-4C32-8EF9-982D014E2409}" type="datetimeFigureOut">
               <a:rPr lang="ko-KR" altLang="en-US" smtClean="0"/>
               <a:pPr/>
-              <a:t>2023-06-02</a:t>
+              <a:t>2023-06-09</a:t>
             </a:fld>
             <a:endParaRPr lang="ko-KR" altLang="en-US"/>
           </a:p>
@@ -6428,7 +6456,7 @@
         </p:nvSpPr>
         <p:spPr>
           <a:xfrm>
-            <a:off x="806376" y="1953717"/>
+            <a:off x="816050" y="1953173"/>
             <a:ext cx="3672472" cy="646331"/>
           </a:xfrm>
           <a:prstGeom prst="rect">
@@ -6478,7 +6506,7 @@
         </p:blipFill>
         <p:spPr>
           <a:xfrm>
-            <a:off x="878384" y="2726314"/>
+            <a:off x="1711548" y="2582108"/>
             <a:ext cx="4910832" cy="2742310"/>
           </a:xfrm>
           <a:prstGeom prst="rect">
